--- a/Slides/Báo cáo đồ án Java.pptx
+++ b/Slides/Báo cáo đồ án Java.pptx
@@ -6,12 +6,13 @@
   </p:sldMasterIdLst>
   <p:sldIdLst>
     <p:sldId id="256" r:id="rId2"/>
-    <p:sldId id="257" r:id="rId3"/>
-    <p:sldId id="260" r:id="rId4"/>
-    <p:sldId id="258" r:id="rId5"/>
-    <p:sldId id="259" r:id="rId6"/>
-    <p:sldId id="261" r:id="rId7"/>
-    <p:sldId id="262" r:id="rId8"/>
+    <p:sldId id="263" r:id="rId3"/>
+    <p:sldId id="257" r:id="rId4"/>
+    <p:sldId id="260" r:id="rId5"/>
+    <p:sldId id="258" r:id="rId6"/>
+    <p:sldId id="259" r:id="rId7"/>
+    <p:sldId id="261" r:id="rId8"/>
+    <p:sldId id="262" r:id="rId9"/>
   </p:sldIdLst>
   <p:sldSz cx="12192000" cy="6858000"/>
   <p:notesSz cx="6858000" cy="9144000"/>
@@ -110,6 +111,11 @@
       </a:defRPr>
     </a:lvl9pPr>
   </p:defaultTextStyle>
+  <p:extLst>
+    <p:ext uri="{EFAFB233-063F-42B5-8137-9DF3F51BA10A}">
+      <p15:sldGuideLst xmlns:p15="http://schemas.microsoft.com/office/powerpoint/2012/main"/>
+    </p:ext>
+  </p:extLst>
 </p:presentation>
 </file>
 
@@ -243,7 +249,7 @@
           </a:lstStyle>
           <a:p>
             <a:r>
-              <a:rPr lang="en-US" smtClean="0"/>
+              <a:rPr lang="en-US"/>
               <a:t>Click to edit Master title style</a:t>
             </a:r>
             <a:endParaRPr lang="en-US" dirty="0"/>
@@ -315,7 +321,7 @@
           </a:lstStyle>
           <a:p>
             <a:r>
-              <a:rPr lang="en-US" smtClean="0"/>
+              <a:rPr lang="en-US"/>
               <a:t>Click to edit Master subtitle style</a:t>
             </a:r>
             <a:endParaRPr lang="en-US" dirty="0"/>
@@ -339,7 +345,7 @@
           <a:p>
             <a:fld id="{C206E87D-CC4E-4D71-AEB2-E1A32D347574}" type="datetimeFigureOut">
               <a:rPr lang="en-US" smtClean="0"/>
-              <a:t>2/23/2017</a:t>
+              <a:t>2/24/2017</a:t>
             </a:fld>
             <a:endParaRPr lang="en-US"/>
           </a:p>
@@ -471,7 +477,7 @@
           <a:lstStyle/>
           <a:p>
             <a:r>
-              <a:rPr lang="en-US" smtClean="0"/>
+              <a:rPr lang="en-US"/>
               <a:t>Click to edit Master title style</a:t>
             </a:r>
             <a:endParaRPr lang="en-US" dirty="0"/>
@@ -495,35 +501,35 @@
           <a:p>
             <a:pPr lvl="0"/>
             <a:r>
-              <a:rPr lang="en-US" smtClean="0"/>
+              <a:rPr lang="en-US"/>
               <a:t>Click to edit Master text styles</a:t>
             </a:r>
           </a:p>
           <a:p>
             <a:pPr lvl="1"/>
             <a:r>
-              <a:rPr lang="en-US" smtClean="0"/>
+              <a:rPr lang="en-US"/>
               <a:t>Second level</a:t>
             </a:r>
           </a:p>
           <a:p>
             <a:pPr lvl="2"/>
             <a:r>
-              <a:rPr lang="en-US" smtClean="0"/>
+              <a:rPr lang="en-US"/>
               <a:t>Third level</a:t>
             </a:r>
           </a:p>
           <a:p>
             <a:pPr lvl="3"/>
             <a:r>
-              <a:rPr lang="en-US" smtClean="0"/>
+              <a:rPr lang="en-US"/>
               <a:t>Fourth level</a:t>
             </a:r>
           </a:p>
           <a:p>
             <a:pPr lvl="4"/>
             <a:r>
-              <a:rPr lang="en-US" smtClean="0"/>
+              <a:rPr lang="en-US"/>
               <a:t>Fifth level</a:t>
             </a:r>
             <a:endParaRPr lang="en-US" dirty="0"/>
@@ -547,7 +553,7 @@
           <a:p>
             <a:fld id="{C206E87D-CC4E-4D71-AEB2-E1A32D347574}" type="datetimeFigureOut">
               <a:rPr lang="en-US" smtClean="0"/>
-              <a:t>2/23/2017</a:t>
+              <a:t>2/24/2017</a:t>
             </a:fld>
             <a:endParaRPr lang="en-US"/>
           </a:p>
@@ -722,7 +728,7 @@
           <a:lstStyle/>
           <a:p>
             <a:r>
-              <a:rPr lang="en-US" smtClean="0"/>
+              <a:rPr lang="en-US"/>
               <a:t>Click to edit Master title style</a:t>
             </a:r>
             <a:endParaRPr lang="en-US" dirty="0"/>
@@ -751,35 +757,35 @@
           <a:p>
             <a:pPr lvl="0"/>
             <a:r>
-              <a:rPr lang="en-US" smtClean="0"/>
+              <a:rPr lang="en-US"/>
               <a:t>Click to edit Master text styles</a:t>
             </a:r>
           </a:p>
           <a:p>
             <a:pPr lvl="1"/>
             <a:r>
-              <a:rPr lang="en-US" smtClean="0"/>
+              <a:rPr lang="en-US"/>
               <a:t>Second level</a:t>
             </a:r>
           </a:p>
           <a:p>
             <a:pPr lvl="2"/>
             <a:r>
-              <a:rPr lang="en-US" smtClean="0"/>
+              <a:rPr lang="en-US"/>
               <a:t>Third level</a:t>
             </a:r>
           </a:p>
           <a:p>
             <a:pPr lvl="3"/>
             <a:r>
-              <a:rPr lang="en-US" smtClean="0"/>
+              <a:rPr lang="en-US"/>
               <a:t>Fourth level</a:t>
             </a:r>
           </a:p>
           <a:p>
             <a:pPr lvl="4"/>
             <a:r>
-              <a:rPr lang="en-US" smtClean="0"/>
+              <a:rPr lang="en-US"/>
               <a:t>Fifth level</a:t>
             </a:r>
             <a:endParaRPr lang="en-US" dirty="0"/>
@@ -803,7 +809,7 @@
           <a:p>
             <a:fld id="{C206E87D-CC4E-4D71-AEB2-E1A32D347574}" type="datetimeFigureOut">
               <a:rPr lang="en-US" smtClean="0"/>
-              <a:t>2/23/2017</a:t>
+              <a:t>2/24/2017</a:t>
             </a:fld>
             <a:endParaRPr lang="en-US"/>
           </a:p>
@@ -897,7 +903,7 @@
           <a:lstStyle/>
           <a:p>
             <a:r>
-              <a:rPr lang="en-US" smtClean="0"/>
+              <a:rPr lang="en-US"/>
               <a:t>Click to edit Master title style</a:t>
             </a:r>
             <a:endParaRPr lang="en-US" dirty="0"/>
@@ -921,35 +927,35 @@
           <a:p>
             <a:pPr lvl="0"/>
             <a:r>
-              <a:rPr lang="en-US" smtClean="0"/>
+              <a:rPr lang="en-US"/>
               <a:t>Click to edit Master text styles</a:t>
             </a:r>
           </a:p>
           <a:p>
             <a:pPr lvl="1"/>
             <a:r>
-              <a:rPr lang="en-US" smtClean="0"/>
+              <a:rPr lang="en-US"/>
               <a:t>Second level</a:t>
             </a:r>
           </a:p>
           <a:p>
             <a:pPr lvl="2"/>
             <a:r>
-              <a:rPr lang="en-US" smtClean="0"/>
+              <a:rPr lang="en-US"/>
               <a:t>Third level</a:t>
             </a:r>
           </a:p>
           <a:p>
             <a:pPr lvl="3"/>
             <a:r>
-              <a:rPr lang="en-US" smtClean="0"/>
+              <a:rPr lang="en-US"/>
               <a:t>Fourth level</a:t>
             </a:r>
           </a:p>
           <a:p>
             <a:pPr lvl="4"/>
             <a:r>
-              <a:rPr lang="en-US" smtClean="0"/>
+              <a:rPr lang="en-US"/>
               <a:t>Fifth level</a:t>
             </a:r>
             <a:endParaRPr lang="en-US" dirty="0"/>
@@ -973,7 +979,7 @@
           <a:p>
             <a:fld id="{C206E87D-CC4E-4D71-AEB2-E1A32D347574}" type="datetimeFigureOut">
               <a:rPr lang="en-US" smtClean="0"/>
-              <a:t>2/23/2017</a:t>
+              <a:t>2/24/2017</a:t>
             </a:fld>
             <a:endParaRPr lang="en-US"/>
           </a:p>
@@ -1172,7 +1178,7 @@
           </a:lstStyle>
           <a:p>
             <a:r>
-              <a:rPr lang="en-US" smtClean="0"/>
+              <a:rPr lang="en-US"/>
               <a:t>Click to edit Master title style</a:t>
             </a:r>
             <a:endParaRPr lang="en-US" dirty="0"/>
@@ -1293,7 +1299,7 @@
           <a:p>
             <a:pPr lvl="0"/>
             <a:r>
-              <a:rPr lang="en-US" smtClean="0"/>
+              <a:rPr lang="en-US"/>
               <a:t>Click to edit Master text styles</a:t>
             </a:r>
           </a:p>
@@ -1316,7 +1322,7 @@
           <a:p>
             <a:fld id="{C206E87D-CC4E-4D71-AEB2-E1A32D347574}" type="datetimeFigureOut">
               <a:rPr lang="en-US" smtClean="0"/>
-              <a:t>2/23/2017</a:t>
+              <a:t>2/24/2017</a:t>
             </a:fld>
             <a:endParaRPr lang="en-US"/>
           </a:p>
@@ -1453,7 +1459,7 @@
           <a:lstStyle/>
           <a:p>
             <a:r>
-              <a:rPr lang="en-US" smtClean="0"/>
+              <a:rPr lang="en-US"/>
               <a:t>Click to edit Master title style</a:t>
             </a:r>
             <a:endParaRPr lang="en-US" dirty="0"/>
@@ -1482,35 +1488,35 @@
           <a:p>
             <a:pPr lvl="0"/>
             <a:r>
-              <a:rPr lang="en-US" smtClean="0"/>
+              <a:rPr lang="en-US"/>
               <a:t>Click to edit Master text styles</a:t>
             </a:r>
           </a:p>
           <a:p>
             <a:pPr lvl="1"/>
             <a:r>
-              <a:rPr lang="en-US" smtClean="0"/>
+              <a:rPr lang="en-US"/>
               <a:t>Second level</a:t>
             </a:r>
           </a:p>
           <a:p>
             <a:pPr lvl="2"/>
             <a:r>
-              <a:rPr lang="en-US" smtClean="0"/>
+              <a:rPr lang="en-US"/>
               <a:t>Third level</a:t>
             </a:r>
           </a:p>
           <a:p>
             <a:pPr lvl="3"/>
             <a:r>
-              <a:rPr lang="en-US" smtClean="0"/>
+              <a:rPr lang="en-US"/>
               <a:t>Fourth level</a:t>
             </a:r>
           </a:p>
           <a:p>
             <a:pPr lvl="4"/>
             <a:r>
-              <a:rPr lang="en-US" smtClean="0"/>
+              <a:rPr lang="en-US"/>
               <a:t>Fifth level</a:t>
             </a:r>
             <a:endParaRPr lang="en-US" dirty="0"/>
@@ -1539,35 +1545,35 @@
           <a:p>
             <a:pPr lvl="0"/>
             <a:r>
-              <a:rPr lang="en-US" smtClean="0"/>
+              <a:rPr lang="en-US"/>
               <a:t>Click to edit Master text styles</a:t>
             </a:r>
           </a:p>
           <a:p>
             <a:pPr lvl="1"/>
             <a:r>
-              <a:rPr lang="en-US" smtClean="0"/>
+              <a:rPr lang="en-US"/>
               <a:t>Second level</a:t>
             </a:r>
           </a:p>
           <a:p>
             <a:pPr lvl="2"/>
             <a:r>
-              <a:rPr lang="en-US" smtClean="0"/>
+              <a:rPr lang="en-US"/>
               <a:t>Third level</a:t>
             </a:r>
           </a:p>
           <a:p>
             <a:pPr lvl="3"/>
             <a:r>
-              <a:rPr lang="en-US" smtClean="0"/>
+              <a:rPr lang="en-US"/>
               <a:t>Fourth level</a:t>
             </a:r>
           </a:p>
           <a:p>
             <a:pPr lvl="4"/>
             <a:r>
-              <a:rPr lang="en-US" smtClean="0"/>
+              <a:rPr lang="en-US"/>
               <a:t>Fifth level</a:t>
             </a:r>
             <a:endParaRPr lang="en-US" dirty="0"/>
@@ -1591,7 +1597,7 @@
           <a:p>
             <a:fld id="{C206E87D-CC4E-4D71-AEB2-E1A32D347574}" type="datetimeFigureOut">
               <a:rPr lang="en-US" smtClean="0"/>
-              <a:t>2/23/2017</a:t>
+              <a:t>2/24/2017</a:t>
             </a:fld>
             <a:endParaRPr lang="en-US"/>
           </a:p>
@@ -1690,7 +1696,7 @@
           <a:lstStyle/>
           <a:p>
             <a:r>
-              <a:rPr lang="en-US" smtClean="0"/>
+              <a:rPr lang="en-US"/>
               <a:t>Click to edit Master title style</a:t>
             </a:r>
             <a:endParaRPr lang="en-US" dirty="0"/>
@@ -1762,7 +1768,7 @@
           <a:p>
             <a:pPr lvl="0"/>
             <a:r>
-              <a:rPr lang="en-US" smtClean="0"/>
+              <a:rPr lang="en-US"/>
               <a:t>Click to edit Master text styles</a:t>
             </a:r>
           </a:p>
@@ -1790,35 +1796,35 @@
           <a:p>
             <a:pPr lvl="0"/>
             <a:r>
-              <a:rPr lang="en-US" smtClean="0"/>
+              <a:rPr lang="en-US"/>
               <a:t>Click to edit Master text styles</a:t>
             </a:r>
           </a:p>
           <a:p>
             <a:pPr lvl="1"/>
             <a:r>
-              <a:rPr lang="en-US" smtClean="0"/>
+              <a:rPr lang="en-US"/>
               <a:t>Second level</a:t>
             </a:r>
           </a:p>
           <a:p>
             <a:pPr lvl="2"/>
             <a:r>
-              <a:rPr lang="en-US" smtClean="0"/>
+              <a:rPr lang="en-US"/>
               <a:t>Third level</a:t>
             </a:r>
           </a:p>
           <a:p>
             <a:pPr lvl="3"/>
             <a:r>
-              <a:rPr lang="en-US" smtClean="0"/>
+              <a:rPr lang="en-US"/>
               <a:t>Fourth level</a:t>
             </a:r>
           </a:p>
           <a:p>
             <a:pPr lvl="4"/>
             <a:r>
-              <a:rPr lang="en-US" smtClean="0"/>
+              <a:rPr lang="en-US"/>
               <a:t>Fifth level</a:t>
             </a:r>
             <a:endParaRPr lang="en-US" dirty="0"/>
@@ -1890,7 +1896,7 @@
           <a:p>
             <a:pPr lvl="0"/>
             <a:r>
-              <a:rPr lang="en-US" smtClean="0"/>
+              <a:rPr lang="en-US"/>
               <a:t>Click to edit Master text styles</a:t>
             </a:r>
           </a:p>
@@ -1918,35 +1924,35 @@
           <a:p>
             <a:pPr lvl="0"/>
             <a:r>
-              <a:rPr lang="en-US" smtClean="0"/>
+              <a:rPr lang="en-US"/>
               <a:t>Click to edit Master text styles</a:t>
             </a:r>
           </a:p>
           <a:p>
             <a:pPr lvl="1"/>
             <a:r>
-              <a:rPr lang="en-US" smtClean="0"/>
+              <a:rPr lang="en-US"/>
               <a:t>Second level</a:t>
             </a:r>
           </a:p>
           <a:p>
             <a:pPr lvl="2"/>
             <a:r>
-              <a:rPr lang="en-US" smtClean="0"/>
+              <a:rPr lang="en-US"/>
               <a:t>Third level</a:t>
             </a:r>
           </a:p>
           <a:p>
             <a:pPr lvl="3"/>
             <a:r>
-              <a:rPr lang="en-US" smtClean="0"/>
+              <a:rPr lang="en-US"/>
               <a:t>Fourth level</a:t>
             </a:r>
           </a:p>
           <a:p>
             <a:pPr lvl="4"/>
             <a:r>
-              <a:rPr lang="en-US" smtClean="0"/>
+              <a:rPr lang="en-US"/>
               <a:t>Fifth level</a:t>
             </a:r>
             <a:endParaRPr lang="en-US" dirty="0"/>
@@ -1970,7 +1976,7 @@
           <a:p>
             <a:fld id="{C206E87D-CC4E-4D71-AEB2-E1A32D347574}" type="datetimeFigureOut">
               <a:rPr lang="en-US" smtClean="0"/>
-              <a:t>2/23/2017</a:t>
+              <a:t>2/24/2017</a:t>
             </a:fld>
             <a:endParaRPr lang="en-US"/>
           </a:p>
@@ -2064,7 +2070,7 @@
           <a:lstStyle/>
           <a:p>
             <a:r>
-              <a:rPr lang="en-US" smtClean="0"/>
+              <a:rPr lang="en-US"/>
               <a:t>Click to edit Master title style</a:t>
             </a:r>
             <a:endParaRPr lang="en-US" dirty="0"/>
@@ -2088,7 +2094,7 @@
           <a:p>
             <a:fld id="{C206E87D-CC4E-4D71-AEB2-E1A32D347574}" type="datetimeFigureOut">
               <a:rPr lang="en-US" smtClean="0"/>
-              <a:t>2/23/2017</a:t>
+              <a:t>2/24/2017</a:t>
             </a:fld>
             <a:endParaRPr lang="en-US"/>
           </a:p>
@@ -2259,7 +2265,7 @@
           <a:p>
             <a:fld id="{C206E87D-CC4E-4D71-AEB2-E1A32D347574}" type="datetimeFigureOut">
               <a:rPr lang="en-US" smtClean="0"/>
-              <a:t>2/23/2017</a:t>
+              <a:t>2/24/2017</a:t>
             </a:fld>
             <a:endParaRPr lang="en-US"/>
           </a:p>
@@ -2452,7 +2458,7 @@
           </a:lstStyle>
           <a:p>
             <a:r>
-              <a:rPr lang="en-US" smtClean="0"/>
+              <a:rPr lang="en-US"/>
               <a:t>Click to edit Master title style</a:t>
             </a:r>
             <a:endParaRPr lang="en-US" dirty="0"/>
@@ -2481,35 +2487,35 @@
           <a:p>
             <a:pPr lvl="0"/>
             <a:r>
-              <a:rPr lang="en-US" smtClean="0"/>
+              <a:rPr lang="en-US"/>
               <a:t>Click to edit Master text styles</a:t>
             </a:r>
           </a:p>
           <a:p>
             <a:pPr lvl="1"/>
             <a:r>
-              <a:rPr lang="en-US" smtClean="0"/>
+              <a:rPr lang="en-US"/>
               <a:t>Second level</a:t>
             </a:r>
           </a:p>
           <a:p>
             <a:pPr lvl="2"/>
             <a:r>
-              <a:rPr lang="en-US" smtClean="0"/>
+              <a:rPr lang="en-US"/>
               <a:t>Third level</a:t>
             </a:r>
           </a:p>
           <a:p>
             <a:pPr lvl="3"/>
             <a:r>
-              <a:rPr lang="en-US" smtClean="0"/>
+              <a:rPr lang="en-US"/>
               <a:t>Fourth level</a:t>
             </a:r>
           </a:p>
           <a:p>
             <a:pPr lvl="4"/>
             <a:r>
-              <a:rPr lang="en-US" smtClean="0"/>
+              <a:rPr lang="en-US"/>
               <a:t>Fifth level</a:t>
             </a:r>
             <a:endParaRPr lang="en-US" dirty="0"/>
@@ -2581,7 +2587,7 @@
           <a:p>
             <a:pPr lvl="0"/>
             <a:r>
-              <a:rPr lang="en-US" smtClean="0"/>
+              <a:rPr lang="en-US"/>
               <a:t>Click to edit Master text styles</a:t>
             </a:r>
           </a:p>
@@ -2613,7 +2619,7 @@
           <a:p>
             <a:fld id="{C206E87D-CC4E-4D71-AEB2-E1A32D347574}" type="datetimeFigureOut">
               <a:rPr lang="en-US" smtClean="0"/>
-              <a:t>2/23/2017</a:t>
+              <a:t>2/24/2017</a:t>
             </a:fld>
             <a:endParaRPr lang="en-US"/>
           </a:p>
@@ -2819,7 +2825,7 @@
           </a:lstStyle>
           <a:p>
             <a:r>
-              <a:rPr lang="en-US" smtClean="0"/>
+              <a:rPr lang="en-US"/>
               <a:t>Click to edit Master title style</a:t>
             </a:r>
             <a:endParaRPr lang="en-US" dirty="0"/>
@@ -2889,7 +2895,7 @@
           </a:lstStyle>
           <a:p>
             <a:r>
-              <a:rPr lang="en-US" smtClean="0"/>
+              <a:rPr lang="en-US"/>
               <a:t>Click icon to add picture</a:t>
             </a:r>
             <a:endParaRPr lang="en-US" dirty="0"/>
@@ -2967,7 +2973,7 @@
           <a:p>
             <a:pPr lvl="0"/>
             <a:r>
-              <a:rPr lang="en-US" smtClean="0"/>
+              <a:rPr lang="en-US"/>
               <a:t>Click to edit Master text styles</a:t>
             </a:r>
           </a:p>
@@ -2990,7 +2996,7 @@
           <a:p>
             <a:fld id="{C206E87D-CC4E-4D71-AEB2-E1A32D347574}" type="datetimeFigureOut">
               <a:rPr lang="en-US" smtClean="0"/>
-              <a:t>2/23/2017</a:t>
+              <a:t>2/24/2017</a:t>
             </a:fld>
             <a:endParaRPr lang="en-US"/>
           </a:p>
@@ -3175,7 +3181,7 @@
           <a:lstStyle/>
           <a:p>
             <a:r>
-              <a:rPr lang="en-US" smtClean="0"/>
+              <a:rPr lang="en-US"/>
               <a:t>Click to edit Master title style</a:t>
             </a:r>
             <a:endParaRPr lang="en-US" dirty="0"/>
@@ -3209,35 +3215,35 @@
           <a:p>
             <a:pPr lvl="0"/>
             <a:r>
-              <a:rPr lang="en-US" smtClean="0"/>
+              <a:rPr lang="en-US"/>
               <a:t>Click to edit Master text styles</a:t>
             </a:r>
           </a:p>
           <a:p>
             <a:pPr lvl="1"/>
             <a:r>
-              <a:rPr lang="en-US" smtClean="0"/>
+              <a:rPr lang="en-US"/>
               <a:t>Second level</a:t>
             </a:r>
           </a:p>
           <a:p>
             <a:pPr lvl="2"/>
             <a:r>
-              <a:rPr lang="en-US" smtClean="0"/>
+              <a:rPr lang="en-US"/>
               <a:t>Third level</a:t>
             </a:r>
           </a:p>
           <a:p>
             <a:pPr lvl="3"/>
             <a:r>
-              <a:rPr lang="en-US" smtClean="0"/>
+              <a:rPr lang="en-US"/>
               <a:t>Fourth level</a:t>
             </a:r>
           </a:p>
           <a:p>
             <a:pPr lvl="4"/>
             <a:r>
-              <a:rPr lang="en-US" smtClean="0"/>
+              <a:rPr lang="en-US"/>
               <a:t>Fifth level</a:t>
             </a:r>
             <a:endParaRPr lang="en-US" dirty="0"/>
@@ -3277,7 +3283,7 @@
           <a:p>
             <a:fld id="{C206E87D-CC4E-4D71-AEB2-E1A32D347574}" type="datetimeFigureOut">
               <a:rPr lang="en-US" smtClean="0"/>
-              <a:t>2/23/2017</a:t>
+              <a:t>2/24/2017</a:t>
             </a:fld>
             <a:endParaRPr lang="en-US"/>
           </a:p>
@@ -3824,10 +3830,9 @@
           <a:lstStyle/>
           <a:p>
             <a:r>
-              <a:rPr lang="en-US" sz="3600" dirty="0" smtClean="0"/>
+              <a:rPr lang="en-US" sz="3600" dirty="0"/>
               <a:t>Báo cáo đồ án</a:t>
             </a:r>
-            <a:endParaRPr lang="en-US" sz="3600" dirty="0"/>
           </a:p>
         </p:txBody>
       </p:sp>
@@ -3854,10 +3859,9 @@
           <a:lstStyle/>
           <a:p>
             <a:r>
-              <a:rPr lang="en-US" sz="4800" dirty="0" smtClean="0"/>
+              <a:rPr lang="en-US" sz="4800" dirty="0"/>
               <a:t>Ứng dụng thu thập thông tin khuyến mãi cho người dùng</a:t>
             </a:r>
-            <a:endParaRPr lang="en-US" sz="4800" dirty="0"/>
           </a:p>
         </p:txBody>
       </p:sp>
@@ -3884,28 +3888,27 @@
           <a:lstStyle/>
           <a:p>
             <a:r>
-              <a:rPr lang="en-US" dirty="0" smtClean="0"/>
+              <a:rPr lang="en-US" dirty="0"/>
               <a:t>Lưu Phi Hùng – 14520340 (nhóm trưởng)</a:t>
             </a:r>
           </a:p>
           <a:p>
             <a:r>
-              <a:rPr lang="en-US" dirty="0" smtClean="0"/>
+              <a:rPr lang="en-US" dirty="0"/>
               <a:t>Vương Đức Tuấn – 14521153</a:t>
             </a:r>
           </a:p>
           <a:p>
             <a:r>
-              <a:rPr lang="en-US" dirty="0" smtClean="0"/>
+              <a:rPr lang="en-US" dirty="0"/>
               <a:t>Trần Minh Hữu – 14520358</a:t>
             </a:r>
           </a:p>
           <a:p>
             <a:r>
-              <a:rPr lang="en-US" dirty="0" smtClean="0"/>
+              <a:rPr lang="en-US" dirty="0"/>
               <a:t>Trần Minh Nghĩa - 14520581</a:t>
             </a:r>
-            <a:endParaRPr lang="en-US" dirty="0"/>
           </a:p>
         </p:txBody>
       </p:sp>
@@ -3919,13 +3922,6 @@
   <p:clrMapOvr>
     <a:masterClrMapping/>
   </p:clrMapOvr>
-  <p:timing>
-    <p:tnLst>
-      <p:par>
-        <p:cTn id="1" dur="indefinite" restart="never" nodeType="tmRoot"/>
-      </p:par>
-    </p:tnLst>
-  </p:timing>
 </p:sld>
 </file>
 
@@ -3948,6 +3944,270 @@
       </p:grpSpPr>
       <p:sp>
         <p:nvSpPr>
+          <p:cNvPr id="2" name="Tiêu đề 1"/>
+          <p:cNvSpPr>
+            <a:spLocks noGrp="1"/>
+          </p:cNvSpPr>
+          <p:nvPr>
+            <p:ph type="title"/>
+          </p:nvPr>
+        </p:nvSpPr>
+        <p:spPr/>
+        <p:txBody>
+          <a:bodyPr/>
+          <a:lstStyle/>
+          <a:p>
+            <a:r>
+              <a:rPr lang="en-US" dirty="0" err="1"/>
+              <a:t>D</a:t>
+            </a:r>
+            <a:r>
+              <a:rPr lang="en-US" dirty="0" err="1"/>
+              <a:t>ự</a:t>
+            </a:r>
+            <a:r>
+              <a:rPr lang="en-US" dirty="0"/>
+              <a:t> </a:t>
+            </a:r>
+            <a:r>
+              <a:rPr lang="en-US" dirty="0" err="1"/>
+              <a:t>kiến</a:t>
+            </a:r>
+            <a:r>
+              <a:rPr lang="en-US" dirty="0"/>
+              <a:t>	</a:t>
+            </a:r>
+            <a:endParaRPr lang="en-US" dirty="0"/>
+          </a:p>
+        </p:txBody>
+      </p:sp>
+      <p:sp>
+        <p:nvSpPr>
+          <p:cNvPr id="5" name="Chỗ dành sẵn cho Nội dung 4"/>
+          <p:cNvSpPr>
+            <a:spLocks noGrp="1"/>
+          </p:cNvSpPr>
+          <p:nvPr>
+            <p:ph idx="1"/>
+          </p:nvPr>
+        </p:nvSpPr>
+        <p:spPr/>
+        <p:txBody>
+          <a:bodyPr/>
+          <a:lstStyle/>
+          <a:p>
+            <a:pPr marL="384048" lvl="2" indent="0">
+              <a:buNone/>
+            </a:pPr>
+            <a:r>
+              <a:rPr lang="en-US" sz="2400" dirty="0" err="1"/>
+              <a:t>Ứng</a:t>
+            </a:r>
+            <a:r>
+              <a:rPr lang="en-US" sz="2400" dirty="0"/>
+              <a:t> </a:t>
+            </a:r>
+            <a:r>
+              <a:rPr lang="en-US" sz="2400" dirty="0" err="1"/>
+              <a:t>dụng</a:t>
+            </a:r>
+            <a:r>
+              <a:rPr lang="en-US" sz="2400" dirty="0"/>
+              <a:t> đ</a:t>
+            </a:r>
+            <a:r>
+              <a:rPr lang="vi-VN" sz="2400" dirty="0" err="1"/>
+              <a:t>ược</a:t>
+            </a:r>
+            <a:r>
+              <a:rPr lang="en-US" sz="2400" dirty="0"/>
+              <a:t> </a:t>
+            </a:r>
+            <a:r>
+              <a:rPr lang="en-US" sz="2400" dirty="0" err="1"/>
+              <a:t>xây</a:t>
+            </a:r>
+            <a:r>
+              <a:rPr lang="en-US" sz="2400" dirty="0"/>
+              <a:t> </a:t>
+            </a:r>
+            <a:r>
+              <a:rPr lang="en-US" sz="2400" dirty="0" err="1"/>
+              <a:t>dụng</a:t>
+            </a:r>
+            <a:r>
+              <a:rPr lang="en-US" sz="2400" dirty="0"/>
+              <a:t> </a:t>
+            </a:r>
+            <a:r>
+              <a:rPr lang="en-US" sz="2400" dirty="0" err="1"/>
+              <a:t>trong</a:t>
+            </a:r>
+            <a:r>
+              <a:rPr lang="en-US" sz="2400" dirty="0"/>
+              <a:t> </a:t>
+            </a:r>
+            <a:r>
+              <a:rPr lang="en-US" sz="2400" dirty="0" err="1"/>
+              <a:t>thời</a:t>
+            </a:r>
+            <a:r>
+              <a:rPr lang="en-US" sz="2400" dirty="0"/>
+              <a:t> </a:t>
+            </a:r>
+            <a:r>
+              <a:rPr lang="en-US" sz="2400" dirty="0" err="1"/>
+              <a:t>gian</a:t>
+            </a:r>
+            <a:r>
+              <a:rPr lang="en-US" sz="2400" dirty="0"/>
+              <a:t> là t</a:t>
+            </a:r>
+            <a:r>
+              <a:rPr lang="vi-VN" sz="2400" dirty="0"/>
+              <a:t>ừ</a:t>
+            </a:r>
+            <a:r>
+              <a:rPr lang="en-US" sz="2400" dirty="0"/>
+              <a:t> 20/2/2017 – 30/4/2017.</a:t>
+            </a:r>
+          </a:p>
+          <a:p>
+            <a:pPr marL="384048" lvl="2" indent="0">
+              <a:buNone/>
+            </a:pPr>
+            <a:endParaRPr lang="en-US" sz="2400" dirty="0"/>
+          </a:p>
+          <a:p>
+            <a:pPr marL="384048" lvl="2" indent="0">
+              <a:buNone/>
+            </a:pPr>
+            <a:r>
+              <a:rPr lang="en-US" sz="2400" dirty="0" err="1"/>
+              <a:t>Kinh</a:t>
+            </a:r>
+            <a:r>
+              <a:rPr lang="en-US" sz="2400" dirty="0"/>
+              <a:t> phí </a:t>
+            </a:r>
+            <a:r>
+              <a:rPr lang="vi-VN" sz="2400" dirty="0"/>
+              <a:t>ước</a:t>
+            </a:r>
+            <a:r>
+              <a:rPr lang="en-US" sz="2400" dirty="0"/>
+              <a:t> l</a:t>
+            </a:r>
+            <a:r>
+              <a:rPr lang="vi-VN" sz="2400" dirty="0" err="1"/>
+              <a:t>ượng</a:t>
+            </a:r>
+            <a:r>
+              <a:rPr lang="en-US" sz="2400" dirty="0"/>
+              <a:t> 1000$.</a:t>
+            </a:r>
+          </a:p>
+          <a:p>
+            <a:pPr marL="384048" lvl="2" indent="0">
+              <a:buNone/>
+            </a:pPr>
+            <a:endParaRPr lang="en-US" sz="2400" dirty="0"/>
+          </a:p>
+          <a:p>
+            <a:pPr marL="384048" lvl="2" indent="0">
+              <a:buNone/>
+            </a:pPr>
+            <a:r>
+              <a:rPr lang="en-US" sz="2400" dirty="0" err="1"/>
+              <a:t>Đối</a:t>
+            </a:r>
+            <a:r>
+              <a:rPr lang="en-US" sz="2400" dirty="0"/>
+              <a:t> t</a:t>
+            </a:r>
+            <a:r>
+              <a:rPr lang="vi-VN" sz="2400" dirty="0" err="1"/>
+              <a:t>ượng</a:t>
+            </a:r>
+            <a:r>
+              <a:rPr lang="en-US" sz="2400" dirty="0"/>
+              <a:t> là ng</a:t>
+            </a:r>
+            <a:r>
+              <a:rPr lang="vi-VN" sz="2400" dirty="0" err="1"/>
+              <a:t>ươ</a:t>
+            </a:r>
+            <a:r>
+              <a:rPr lang="vi-VN" sz="2400" dirty="0"/>
+              <a:t>̀</a:t>
+            </a:r>
+            <a:r>
+              <a:rPr lang="en-US" sz="2400" dirty="0" err="1"/>
+              <a:t>i</a:t>
+            </a:r>
+            <a:r>
+              <a:rPr lang="en-US" sz="2400" dirty="0"/>
+              <a:t> </a:t>
+            </a:r>
+            <a:r>
+              <a:rPr lang="en-US" sz="2400" dirty="0" err="1"/>
+              <a:t>dùng</a:t>
+            </a:r>
+            <a:r>
+              <a:rPr lang="en-US" sz="2400" dirty="0"/>
+              <a:t>.</a:t>
+            </a:r>
+          </a:p>
+          <a:p>
+            <a:pPr marL="384048" lvl="2" indent="0">
+              <a:buNone/>
+            </a:pPr>
+            <a:endParaRPr lang="en-US" sz="2400" dirty="0"/>
+          </a:p>
+          <a:p>
+            <a:pPr marL="384048" lvl="2" indent="0">
+              <a:buNone/>
+            </a:pPr>
+            <a:endParaRPr lang="en-US" sz="2400" dirty="0"/>
+          </a:p>
+          <a:p>
+            <a:pPr lvl="1"/>
+            <a:endParaRPr lang="en-US" dirty="0"/>
+          </a:p>
+        </p:txBody>
+      </p:sp>
+    </p:spTree>
+    <p:extLst>
+      <p:ext uri="{BB962C8B-B14F-4D97-AF65-F5344CB8AC3E}">
+        <p14:creationId xmlns:p14="http://schemas.microsoft.com/office/powerpoint/2010/main" val="12542655"/>
+      </p:ext>
+    </p:extLst>
+  </p:cSld>
+  <p:clrMapOvr>
+    <a:masterClrMapping/>
+  </p:clrMapOvr>
+</p:sld>
+</file>
+
+<file path=ppt/slides/slide3.xml><?xml version="1.0" encoding="utf-8"?>
+<p:sld xmlns:a="http://schemas.openxmlformats.org/drawingml/2006/main" xmlns:r="http://schemas.openxmlformats.org/officeDocument/2006/relationships" xmlns:p="http://schemas.openxmlformats.org/presentationml/2006/main">
+  <p:cSld>
+    <p:spTree>
+      <p:nvGrpSpPr>
+        <p:cNvPr id="1" name=""/>
+        <p:cNvGrpSpPr/>
+        <p:nvPr/>
+      </p:nvGrpSpPr>
+      <p:grpSpPr>
+        <a:xfrm>
+          <a:off x="0" y="0"/>
+          <a:ext cx="0" cy="0"/>
+          <a:chOff x="0" y="0"/>
+          <a:chExt cx="0" cy="0"/>
+        </a:xfrm>
+      </p:grpSpPr>
+      <p:sp>
+        <p:nvSpPr>
           <p:cNvPr id="2" name="Title 1"/>
           <p:cNvSpPr>
             <a:spLocks noGrp="1"/>
@@ -3967,10 +4227,9 @@
           <a:lstStyle/>
           <a:p>
             <a:r>
-              <a:rPr lang="en-US" dirty="0" smtClean="0"/>
+              <a:rPr lang="en-US" dirty="0"/>
               <a:t>Ý tưởng?	</a:t>
             </a:r>
-            <a:endParaRPr lang="en-US" dirty="0"/>
           </a:p>
         </p:txBody>
       </p:sp>
@@ -4001,7 +4260,7 @@
               <a:buChar char="•"/>
             </a:pPr>
             <a:r>
-              <a:rPr lang="en-US" dirty="0" smtClean="0"/>
+              <a:rPr lang="en-US" dirty="0"/>
               <a:t>Ngày nay với sự bùng nổ về Internet, nên cũng kéo theo sự phát triển rầm rộ của các dịch vụ mua hàng trực tuyến.</a:t>
             </a:r>
           </a:p>
@@ -4018,13 +4277,13 @@
               <a:buChar char="•"/>
             </a:pPr>
             <a:r>
-              <a:rPr lang="en-US" dirty="0" smtClean="0"/>
+              <a:rPr lang="en-US" dirty="0"/>
               <a:t>Dù cho cùng 1 mặt hàng nhưng ở mỗi của hàng đều có 1 chính sách ưu đãi nhằm để lôi kéo người dùng. Nên có nhiều các chương trình khuyễn mãi, đem đến lợi thế lớn cho người tiêu dùng, nhưng do có quá nhiều trương chình cùng diễn ra trong 1 thời gian nên người dùng sẽ khó mà nằm bắt được.</a:t>
             </a:r>
             <a:br>
-              <a:rPr lang="en-US" dirty="0" smtClean="0"/>
+              <a:rPr lang="en-US" dirty="0"/>
             </a:br>
-            <a:endParaRPr lang="en-US" dirty="0" smtClean="0"/>
+            <a:endParaRPr lang="en-US" dirty="0"/>
           </a:p>
           <a:p>
             <a:pPr marL="285750" indent="-285750">
@@ -4032,10 +4291,9 @@
               <a:buChar char="•"/>
             </a:pPr>
             <a:r>
-              <a:rPr lang="en-US" dirty="0" smtClean="0"/>
+              <a:rPr lang="en-US" dirty="0"/>
               <a:t>Nên từ đó hình thành í tưởng phát triển ứng dụng nhằm thu thập thông tin từ các cửa hàng để người dùng có thể nắm bắt được</a:t>
             </a:r>
-            <a:endParaRPr lang="en-US" dirty="0"/>
           </a:p>
         </p:txBody>
       </p:sp>
@@ -4139,17 +4397,10 @@
   <p:clrMapOvr>
     <a:masterClrMapping/>
   </p:clrMapOvr>
-  <p:timing>
-    <p:tnLst>
-      <p:par>
-        <p:cTn id="1" dur="indefinite" restart="never" nodeType="tmRoot"/>
-      </p:par>
-    </p:tnLst>
-  </p:timing>
 </p:sld>
 </file>
 
-<file path=ppt/slides/slide3.xml><?xml version="1.0" encoding="utf-8"?>
+<file path=ppt/slides/slide4.xml><?xml version="1.0" encoding="utf-8"?>
 <p:sld xmlns:a="http://schemas.openxmlformats.org/drawingml/2006/main" xmlns:r="http://schemas.openxmlformats.org/officeDocument/2006/relationships" xmlns:p="http://schemas.openxmlformats.org/presentationml/2006/main">
   <p:cSld>
     <p:spTree>
@@ -4182,10 +4433,9 @@
           <a:lstStyle/>
           <a:p>
             <a:r>
-              <a:rPr lang="en-US" dirty="0" smtClean="0"/>
+              <a:rPr lang="en-US" dirty="0"/>
               <a:t>Mục tiêu	</a:t>
             </a:r>
-            <a:endParaRPr lang="en-US" dirty="0"/>
           </a:p>
         </p:txBody>
       </p:sp>
@@ -4216,7 +4466,7 @@
               <a:buChar char="•"/>
             </a:pPr>
             <a:r>
-              <a:rPr lang="en-US" dirty="0" smtClean="0"/>
+              <a:rPr lang="en-US" dirty="0"/>
               <a:t>Nhằm tạo ra lợi thế dành cho người tiêu dùng để có thể đi mua sắm và chi tiêu 1 cách hợp lí.</a:t>
             </a:r>
           </a:p>
@@ -4233,12 +4483,12 @@
               <a:buChar char="•"/>
             </a:pPr>
             <a:r>
-              <a:rPr lang="en-US" dirty="0" smtClean="0"/>
+              <a:rPr lang="en-US" dirty="0"/>
               <a:t>Ứng dụng được xây dựng nhằm giúp người tiêu dùng có thể theo dõi và nắm bắt các thông tin khuyễn mãi 1 cách hợp lí.</a:t>
             </a:r>
           </a:p>
           <a:p>
-            <a:endParaRPr lang="en-US" dirty="0" smtClean="0"/>
+            <a:endParaRPr lang="en-US" dirty="0"/>
           </a:p>
           <a:p>
             <a:pPr marL="285750" indent="-285750">
@@ -4246,10 +4496,9 @@
               <a:buChar char="•"/>
             </a:pPr>
             <a:r>
-              <a:rPr lang="en-US" dirty="0" smtClean="0"/>
+              <a:rPr lang="en-US" dirty="0"/>
               <a:t>Đối tượng mà ứng dụng hướng tới là người tiêu dùng</a:t>
             </a:r>
-            <a:endParaRPr lang="en-US" dirty="0"/>
           </a:p>
           <a:p>
             <a:endParaRPr lang="en-US" dirty="0"/>
@@ -4296,17 +4545,10 @@
   <p:clrMapOvr>
     <a:masterClrMapping/>
   </p:clrMapOvr>
-  <p:timing>
-    <p:tnLst>
-      <p:par>
-        <p:cTn id="1" dur="indefinite" restart="never" nodeType="tmRoot"/>
-      </p:par>
-    </p:tnLst>
-  </p:timing>
 </p:sld>
 </file>
 
-<file path=ppt/slides/slide4.xml><?xml version="1.0" encoding="utf-8"?>
+<file path=ppt/slides/slide5.xml><?xml version="1.0" encoding="utf-8"?>
 <p:sld xmlns:a="http://schemas.openxmlformats.org/drawingml/2006/main" xmlns:r="http://schemas.openxmlformats.org/officeDocument/2006/relationships" xmlns:p="http://schemas.openxmlformats.org/presentationml/2006/main">
   <p:cSld>
     <p:spTree>
@@ -4339,10 +4581,9 @@
           <a:lstStyle/>
           <a:p>
             <a:r>
-              <a:rPr lang="en-US" dirty="0" smtClean="0"/>
+              <a:rPr lang="en-US" dirty="0"/>
               <a:t>Nguyên tắc hoạt động	</a:t>
             </a:r>
-            <a:endParaRPr lang="en-US" dirty="0"/>
           </a:p>
         </p:txBody>
       </p:sp>
@@ -4539,10 +4780,9 @@
           <a:lstStyle/>
           <a:p>
             <a:r>
-              <a:rPr lang="en-US" dirty="0" smtClean="0"/>
+              <a:rPr lang="en-US" dirty="0"/>
               <a:t>Hệ thống sẽ thu thập thông tin khuyễn mãi từ các trang bán hàng trực tuyến, sau đó hệ thống sẽ lưu các thông tin đó vào trong cơ sở dữ liệu, rồi cuối cùng được chuyển tới ứng dụng xem thông tin ở trên các thiết bị di động.</a:t>
             </a:r>
-            <a:endParaRPr lang="en-US" dirty="0"/>
           </a:p>
         </p:txBody>
       </p:sp>
@@ -4556,163 +4796,6 @@
   <p:clrMapOvr>
     <a:masterClrMapping/>
   </p:clrMapOvr>
-  <p:timing>
-    <p:tnLst>
-      <p:par>
-        <p:cTn id="1" dur="indefinite" restart="never" nodeType="tmRoot"/>
-      </p:par>
-    </p:tnLst>
-  </p:timing>
-</p:sld>
-</file>
-
-<file path=ppt/slides/slide5.xml><?xml version="1.0" encoding="utf-8"?>
-<p:sld xmlns:a="http://schemas.openxmlformats.org/drawingml/2006/main" xmlns:r="http://schemas.openxmlformats.org/officeDocument/2006/relationships" xmlns:p="http://schemas.openxmlformats.org/presentationml/2006/main">
-  <p:cSld>
-    <p:spTree>
-      <p:nvGrpSpPr>
-        <p:cNvPr id="1" name=""/>
-        <p:cNvGrpSpPr/>
-        <p:nvPr/>
-      </p:nvGrpSpPr>
-      <p:grpSpPr>
-        <a:xfrm>
-          <a:off x="0" y="0"/>
-          <a:ext cx="0" cy="0"/>
-          <a:chOff x="0" y="0"/>
-          <a:chExt cx="0" cy="0"/>
-        </a:xfrm>
-      </p:grpSpPr>
-      <p:sp>
-        <p:nvSpPr>
-          <p:cNvPr id="2" name="Title 1"/>
-          <p:cNvSpPr>
-            <a:spLocks noGrp="1"/>
-          </p:cNvSpPr>
-          <p:nvPr>
-            <p:ph type="title"/>
-          </p:nvPr>
-        </p:nvSpPr>
-        <p:spPr/>
-        <p:txBody>
-          <a:bodyPr/>
-          <a:lstStyle/>
-          <a:p>
-            <a:r>
-              <a:rPr lang="en-US" dirty="0" smtClean="0"/>
-              <a:t>Cấu trúc công việc	</a:t>
-            </a:r>
-            <a:endParaRPr lang="en-US" dirty="0"/>
-          </a:p>
-        </p:txBody>
-      </p:sp>
-      <p:sp>
-        <p:nvSpPr>
-          <p:cNvPr id="4" name="TextBox 3"/>
-          <p:cNvSpPr txBox="1"/>
-          <p:nvPr/>
-        </p:nvSpPr>
-        <p:spPr>
-          <a:xfrm>
-            <a:off x="1240077" y="1966586"/>
-            <a:ext cx="9915603" cy="2585323"/>
-          </a:xfrm>
-          <a:prstGeom prst="rect">
-            <a:avLst/>
-          </a:prstGeom>
-          <a:noFill/>
-        </p:spPr>
-        <p:txBody>
-          <a:bodyPr wrap="square" rtlCol="0">
-            <a:spAutoFit/>
-          </a:bodyPr>
-          <a:lstStyle/>
-          <a:p>
-            <a:r>
-              <a:rPr lang="en-US" dirty="0" smtClean="0"/>
-              <a:t>Dự theo nguyên tắc hoạt động, hệ thống được xây dụng thành 3 module con.</a:t>
-            </a:r>
-          </a:p>
-          <a:p>
-            <a:endParaRPr lang="en-US" dirty="0"/>
-          </a:p>
-          <a:p>
-            <a:pPr marL="285750" indent="-285750">
-              <a:buFont typeface="Arial" panose="020B0604020202020204" pitchFamily="34" charset="0"/>
-              <a:buChar char="•"/>
-            </a:pPr>
-            <a:r>
-              <a:rPr lang="en-US" dirty="0" smtClean="0"/>
-              <a:t>Module LayDuLieu : module này sẽ truy cập lấy các thông tin để chuyển qua cho module CSDuLieu.</a:t>
-            </a:r>
-          </a:p>
-          <a:p>
-            <a:pPr marL="285750" indent="-285750">
-              <a:buFont typeface="Arial" panose="020B0604020202020204" pitchFamily="34" charset="0"/>
-              <a:buChar char="•"/>
-            </a:pPr>
-            <a:endParaRPr lang="en-US" dirty="0"/>
-          </a:p>
-          <a:p>
-            <a:pPr marL="285750" indent="-285750">
-              <a:buFont typeface="Arial" panose="020B0604020202020204" pitchFamily="34" charset="0"/>
-              <a:buChar char="•"/>
-            </a:pPr>
-            <a:r>
-              <a:rPr lang="en-US" dirty="0" smtClean="0"/>
-              <a:t>Module CSDuLieu : module này sẽ sử lí và lưu trữ các thông tin.</a:t>
-            </a:r>
-          </a:p>
-          <a:p>
-            <a:pPr marL="285750" indent="-285750">
-              <a:buFont typeface="Arial" panose="020B0604020202020204" pitchFamily="34" charset="0"/>
-              <a:buChar char="•"/>
-            </a:pPr>
-            <a:endParaRPr lang="en-US" dirty="0"/>
-          </a:p>
-          <a:p>
-            <a:pPr marL="285750" indent="-285750">
-              <a:buFont typeface="Arial" panose="020B0604020202020204" pitchFamily="34" charset="0"/>
-              <a:buChar char="•"/>
-            </a:pPr>
-            <a:r>
-              <a:rPr lang="en-US" dirty="0" smtClean="0"/>
-              <a:t>Module UngDung : module này sẽ tương tác với người dùng.</a:t>
-            </a:r>
-          </a:p>
-          <a:p>
-            <a:pPr marL="285750" indent="-285750">
-              <a:buFont typeface="Arial" panose="020B0604020202020204" pitchFamily="34" charset="0"/>
-              <a:buChar char="•"/>
-            </a:pPr>
-            <a:endParaRPr lang="en-US" dirty="0"/>
-          </a:p>
-          <a:p>
-            <a:r>
-              <a:rPr lang="en-US" dirty="0" smtClean="0"/>
-              <a:t>Thời gian ướng cho việc xây dụng hệ thống: 2 tháng.</a:t>
-            </a:r>
-            <a:endParaRPr lang="en-US" dirty="0"/>
-          </a:p>
-        </p:txBody>
-      </p:sp>
-    </p:spTree>
-    <p:extLst>
-      <p:ext uri="{BB962C8B-B14F-4D97-AF65-F5344CB8AC3E}">
-        <p14:creationId xmlns:p14="http://schemas.microsoft.com/office/powerpoint/2010/main" val="718791670"/>
-      </p:ext>
-    </p:extLst>
-  </p:cSld>
-  <p:clrMapOvr>
-    <a:masterClrMapping/>
-  </p:clrMapOvr>
-  <p:timing>
-    <p:tnLst>
-      <p:par>
-        <p:cTn id="1" dur="indefinite" restart="never" nodeType="tmRoot"/>
-      </p:par>
-    </p:tnLst>
-  </p:timing>
 </p:sld>
 </file>
 
@@ -4749,10 +4832,9 @@
           <a:lstStyle/>
           <a:p>
             <a:r>
-              <a:rPr lang="en-US" dirty="0" smtClean="0"/>
-              <a:t>Phân công công việc</a:t>
-            </a:r>
-            <a:endParaRPr lang="en-US" dirty="0"/>
+              <a:rPr lang="en-US" dirty="0"/>
+              <a:t>Cấu trúc công việc	</a:t>
+            </a:r>
           </a:p>
         </p:txBody>
       </p:sp>
@@ -4764,8 +4846,8 @@
         </p:nvSpPr>
         <p:spPr>
           <a:xfrm>
-            <a:off x="1215025" y="1929008"/>
-            <a:ext cx="9940655" cy="369332"/>
+            <a:off x="1240077" y="1966586"/>
+            <a:ext cx="9915603" cy="2308324"/>
           </a:xfrm>
           <a:prstGeom prst="rect">
             <a:avLst/>
@@ -4779,9 +4861,62 @@
           <a:lstStyle/>
           <a:p>
             <a:r>
-              <a:rPr lang="en-US" dirty="0" smtClean="0"/>
-              <a:t>Hiện tại do chư đánh giá được năng lực của các thành viên nên tạm thời chưa phân công.</a:t>
-            </a:r>
+              <a:rPr lang="en-US" dirty="0"/>
+              <a:t>Dự theo nguyên tắc hoạt động, hệ thống được xây dụng thành 3 module con.</a:t>
+            </a:r>
+          </a:p>
+          <a:p>
+            <a:endParaRPr lang="en-US" dirty="0"/>
+          </a:p>
+          <a:p>
+            <a:pPr marL="285750" indent="-285750">
+              <a:buFont typeface="Arial" panose="020B0604020202020204" pitchFamily="34" charset="0"/>
+              <a:buChar char="•"/>
+            </a:pPr>
+            <a:r>
+              <a:rPr lang="en-US" dirty="0"/>
+              <a:t>Module LayDuLieu : module này sẽ truy cập lấy các thông tin để chuyển qua cho module CSDuLieu.</a:t>
+            </a:r>
+          </a:p>
+          <a:p>
+            <a:pPr marL="285750" indent="-285750">
+              <a:buFont typeface="Arial" panose="020B0604020202020204" pitchFamily="34" charset="0"/>
+              <a:buChar char="•"/>
+            </a:pPr>
+            <a:endParaRPr lang="en-US" dirty="0"/>
+          </a:p>
+          <a:p>
+            <a:pPr marL="285750" indent="-285750">
+              <a:buFont typeface="Arial" panose="020B0604020202020204" pitchFamily="34" charset="0"/>
+              <a:buChar char="•"/>
+            </a:pPr>
+            <a:r>
+              <a:rPr lang="en-US" dirty="0"/>
+              <a:t>Module CSDuLieu : module này sẽ sử lí và lưu trữ các thông tin.</a:t>
+            </a:r>
+          </a:p>
+          <a:p>
+            <a:pPr marL="285750" indent="-285750">
+              <a:buFont typeface="Arial" panose="020B0604020202020204" pitchFamily="34" charset="0"/>
+              <a:buChar char="•"/>
+            </a:pPr>
+            <a:endParaRPr lang="en-US" dirty="0"/>
+          </a:p>
+          <a:p>
+            <a:pPr marL="285750" indent="-285750">
+              <a:buFont typeface="Arial" panose="020B0604020202020204" pitchFamily="34" charset="0"/>
+              <a:buChar char="•"/>
+            </a:pPr>
+            <a:r>
+              <a:rPr lang="en-US" dirty="0"/>
+              <a:t>Module UngDung : module này sẽ tương tác với người dùng.</a:t>
+            </a:r>
+          </a:p>
+          <a:p>
+            <a:pPr marL="285750" indent="-285750">
+              <a:buFont typeface="Arial" panose="020B0604020202020204" pitchFamily="34" charset="0"/>
+              <a:buChar char="•"/>
+            </a:pPr>
             <a:endParaRPr lang="en-US" dirty="0"/>
           </a:p>
         </p:txBody>
@@ -4789,20 +4924,13 @@
     </p:spTree>
     <p:extLst>
       <p:ext uri="{BB962C8B-B14F-4D97-AF65-F5344CB8AC3E}">
-        <p14:creationId xmlns:p14="http://schemas.microsoft.com/office/powerpoint/2010/main" val="592983027"/>
+        <p14:creationId xmlns:p14="http://schemas.microsoft.com/office/powerpoint/2010/main" val="718791670"/>
       </p:ext>
     </p:extLst>
   </p:cSld>
   <p:clrMapOvr>
     <a:masterClrMapping/>
   </p:clrMapOvr>
-  <p:timing>
-    <p:tnLst>
-      <p:par>
-        <p:cTn id="1" dur="indefinite" restart="never" nodeType="tmRoot"/>
-      </p:par>
-    </p:tnLst>
-  </p:timing>
 </p:sld>
 </file>
 
@@ -4839,10 +4967,311 @@
           <a:lstStyle/>
           <a:p>
             <a:r>
-              <a:rPr lang="en-US" dirty="0" smtClean="0"/>
+              <a:rPr lang="en-US" dirty="0"/>
+              <a:t>Phân công công việc</a:t>
+            </a:r>
+          </a:p>
+        </p:txBody>
+      </p:sp>
+      <p:sp>
+        <p:nvSpPr>
+          <p:cNvPr id="4" name="TextBox 3"/>
+          <p:cNvSpPr txBox="1"/>
+          <p:nvPr/>
+        </p:nvSpPr>
+        <p:spPr>
+          <a:xfrm>
+            <a:off x="1215025" y="1929008"/>
+            <a:ext cx="9940655" cy="1477328"/>
+          </a:xfrm>
+          <a:prstGeom prst="rect">
+            <a:avLst/>
+          </a:prstGeom>
+          <a:noFill/>
+        </p:spPr>
+        <p:txBody>
+          <a:bodyPr wrap="square" rtlCol="0">
+            <a:spAutoFit/>
+          </a:bodyPr>
+          <a:lstStyle/>
+          <a:p>
+            <a:r>
+              <a:rPr lang="en-US" dirty="0" err="1"/>
+              <a:t>Ph</a:t>
+            </a:r>
+            <a:r>
+              <a:rPr lang="en-US" dirty="0" err="1"/>
+              <a:t>át</a:t>
+            </a:r>
+            <a:r>
+              <a:rPr lang="en-US" dirty="0"/>
+              <a:t> tri</a:t>
+            </a:r>
+            <a:r>
+              <a:rPr lang="vi-VN" dirty="0" err="1"/>
+              <a:t>ển</a:t>
+            </a:r>
+            <a:r>
+              <a:rPr lang="en-US" dirty="0"/>
+              <a:t> database: V</a:t>
+            </a:r>
+            <a:r>
+              <a:rPr lang="vi-VN" dirty="0"/>
+              <a:t>ương</a:t>
+            </a:r>
+            <a:r>
+              <a:rPr lang="en-US" dirty="0"/>
+              <a:t> D</a:t>
+            </a:r>
+            <a:r>
+              <a:rPr lang="vi-VN" dirty="0"/>
+              <a:t>ức</a:t>
+            </a:r>
+            <a:r>
+              <a:rPr lang="en-US" dirty="0"/>
+              <a:t> </a:t>
+            </a:r>
+            <a:r>
+              <a:rPr lang="en-US" dirty="0" err="1"/>
+              <a:t>Tuấn</a:t>
+            </a:r>
+            <a:r>
+              <a:rPr lang="en-US" dirty="0"/>
+              <a:t>, </a:t>
+            </a:r>
+            <a:r>
+              <a:rPr lang="en-US" dirty="0" err="1"/>
+              <a:t>Trần</a:t>
+            </a:r>
+            <a:r>
+              <a:rPr lang="en-US" dirty="0"/>
+              <a:t> Minh </a:t>
+            </a:r>
+            <a:r>
+              <a:rPr lang="en-US" dirty="0" err="1"/>
+              <a:t>Nghĩa</a:t>
+            </a:r>
+            <a:endParaRPr lang="en-US" dirty="0"/>
+          </a:p>
+          <a:p>
+            <a:endParaRPr lang="en-US" dirty="0"/>
+          </a:p>
+          <a:p>
+            <a:r>
+              <a:rPr lang="en-US" dirty="0" err="1"/>
+              <a:t>Phát</a:t>
+            </a:r>
+            <a:r>
+              <a:rPr lang="en-US" dirty="0"/>
+              <a:t> tri</a:t>
+            </a:r>
+            <a:r>
+              <a:rPr lang="vi-VN" dirty="0"/>
+              <a:t>ể</a:t>
+            </a:r>
+            <a:r>
+              <a:rPr lang="en-US" dirty="0"/>
+              <a:t>n </a:t>
+            </a:r>
+            <a:r>
+              <a:rPr lang="en-US" dirty="0" err="1"/>
+              <a:t>úng</a:t>
+            </a:r>
+            <a:r>
+              <a:rPr lang="en-US" dirty="0"/>
+              <a:t> </a:t>
+            </a:r>
+            <a:r>
+              <a:rPr lang="en-US" dirty="0" err="1"/>
+              <a:t>dụng</a:t>
+            </a:r>
+            <a:r>
+              <a:rPr lang="en-US" dirty="0"/>
+              <a:t> android: </a:t>
+            </a:r>
+            <a:r>
+              <a:rPr lang="en-US" dirty="0" err="1"/>
+              <a:t>Trần</a:t>
+            </a:r>
+            <a:r>
+              <a:rPr lang="en-US" dirty="0"/>
+              <a:t> Minh H</a:t>
+            </a:r>
+            <a:r>
+              <a:rPr lang="vi-VN" dirty="0" err="1"/>
+              <a:t>ữu</a:t>
+            </a:r>
+            <a:r>
+              <a:rPr lang="en-US" dirty="0"/>
+              <a:t>, L</a:t>
+            </a:r>
+            <a:r>
+              <a:rPr lang="vi-VN" dirty="0"/>
+              <a:t>ưu</a:t>
+            </a:r>
+            <a:r>
+              <a:rPr lang="en-US" dirty="0"/>
+              <a:t> Phi </a:t>
+            </a:r>
+            <a:r>
+              <a:rPr lang="en-US" dirty="0" err="1"/>
+              <a:t>Hùng</a:t>
+            </a:r>
+            <a:endParaRPr lang="en-US" dirty="0"/>
+          </a:p>
+          <a:p>
+            <a:endParaRPr lang="en-US" dirty="0"/>
+          </a:p>
+          <a:p>
+            <a:r>
+              <a:rPr lang="en-US" dirty="0"/>
+              <a:t>Tester </a:t>
+            </a:r>
+            <a:r>
+              <a:rPr lang="en-US" dirty="0" err="1"/>
+              <a:t>va</a:t>
+            </a:r>
+            <a:r>
+              <a:rPr lang="en-US" dirty="0"/>
+              <a:t>̀ supervisor: l</a:t>
+            </a:r>
+            <a:r>
+              <a:rPr lang="vi-VN" dirty="0"/>
+              <a:t>ưu</a:t>
+            </a:r>
+            <a:r>
+              <a:rPr lang="en-US" dirty="0"/>
+              <a:t> Phi </a:t>
+            </a:r>
+            <a:r>
+              <a:rPr lang="en-US" dirty="0" err="1"/>
+              <a:t>Hùng</a:t>
+            </a:r>
+            <a:endParaRPr lang="en-US" dirty="0"/>
+          </a:p>
+        </p:txBody>
+      </p:sp>
+      <p:pic>
+        <p:nvPicPr>
+          <p:cNvPr id="5" name="Hình ảnh 4"/>
+          <p:cNvPicPr>
+            <a:picLocks noChangeAspect="1"/>
+          </p:cNvPicPr>
+          <p:nvPr/>
+        </p:nvPicPr>
+        <p:blipFill>
+          <a:blip r:embed="rId2"/>
+          <a:stretch>
+            <a:fillRect/>
+          </a:stretch>
+        </p:blipFill>
+        <p:spPr>
+          <a:xfrm>
+            <a:off x="6853746" y="3750384"/>
+            <a:ext cx="4301934" cy="2418657"/>
+          </a:xfrm>
+          <a:prstGeom prst="rect">
+            <a:avLst/>
+          </a:prstGeom>
+        </p:spPr>
+      </p:pic>
+      <p:pic>
+        <p:nvPicPr>
+          <p:cNvPr id="6" name="Hình ảnh 5"/>
+          <p:cNvPicPr>
+            <a:picLocks noChangeAspect="1"/>
+          </p:cNvPicPr>
+          <p:nvPr/>
+        </p:nvPicPr>
+        <p:blipFill>
+          <a:blip r:embed="rId3"/>
+          <a:stretch>
+            <a:fillRect/>
+          </a:stretch>
+        </p:blipFill>
+        <p:spPr>
+          <a:xfrm>
+            <a:off x="1582189" y="4538662"/>
+            <a:ext cx="4147705" cy="1338108"/>
+          </a:xfrm>
+          <a:prstGeom prst="rect">
+            <a:avLst/>
+          </a:prstGeom>
+        </p:spPr>
+      </p:pic>
+      <p:pic>
+        <p:nvPicPr>
+          <p:cNvPr id="7" name="Hình ảnh 6"/>
+          <p:cNvPicPr>
+            <a:picLocks noChangeAspect="1"/>
+          </p:cNvPicPr>
+          <p:nvPr/>
+        </p:nvPicPr>
+        <p:blipFill>
+          <a:blip r:embed="rId4"/>
+          <a:stretch>
+            <a:fillRect/>
+          </a:stretch>
+        </p:blipFill>
+        <p:spPr>
+          <a:xfrm>
+            <a:off x="7831715" y="1929009"/>
+            <a:ext cx="2337522" cy="1677566"/>
+          </a:xfrm>
+          <a:prstGeom prst="rect">
+            <a:avLst/>
+          </a:prstGeom>
+        </p:spPr>
+      </p:pic>
+    </p:spTree>
+    <p:extLst>
+      <p:ext uri="{BB962C8B-B14F-4D97-AF65-F5344CB8AC3E}">
+        <p14:creationId xmlns:p14="http://schemas.microsoft.com/office/powerpoint/2010/main" val="592983027"/>
+      </p:ext>
+    </p:extLst>
+  </p:cSld>
+  <p:clrMapOvr>
+    <a:masterClrMapping/>
+  </p:clrMapOvr>
+</p:sld>
+</file>
+
+<file path=ppt/slides/slide8.xml><?xml version="1.0" encoding="utf-8"?>
+<p:sld xmlns:a="http://schemas.openxmlformats.org/drawingml/2006/main" xmlns:r="http://schemas.openxmlformats.org/officeDocument/2006/relationships" xmlns:p="http://schemas.openxmlformats.org/presentationml/2006/main">
+  <p:cSld>
+    <p:spTree>
+      <p:nvGrpSpPr>
+        <p:cNvPr id="1" name=""/>
+        <p:cNvGrpSpPr/>
+        <p:nvPr/>
+      </p:nvGrpSpPr>
+      <p:grpSpPr>
+        <a:xfrm>
+          <a:off x="0" y="0"/>
+          <a:ext cx="0" cy="0"/>
+          <a:chOff x="0" y="0"/>
+          <a:chExt cx="0" cy="0"/>
+        </a:xfrm>
+      </p:grpSpPr>
+      <p:sp>
+        <p:nvSpPr>
+          <p:cNvPr id="2" name="Title 1"/>
+          <p:cNvSpPr>
+            <a:spLocks noGrp="1"/>
+          </p:cNvSpPr>
+          <p:nvPr>
+            <p:ph type="title"/>
+          </p:nvPr>
+        </p:nvSpPr>
+        <p:spPr/>
+        <p:txBody>
+          <a:bodyPr/>
+          <a:lstStyle/>
+          <a:p>
+            <a:r>
+              <a:rPr lang="en-US" dirty="0"/>
               <a:t>Kết thúc!!</a:t>
             </a:r>
-            <a:endParaRPr lang="en-US" dirty="0"/>
           </a:p>
         </p:txBody>
       </p:sp>
@@ -4856,13 +5285,6 @@
   <p:clrMapOvr>
     <a:masterClrMapping/>
   </p:clrMapOvr>
-  <p:timing>
-    <p:tnLst>
-      <p:par>
-        <p:cTn id="1" dur="indefinite" restart="never" nodeType="tmRoot"/>
-      </p:par>
-    </p:tnLst>
-  </p:timing>
 </p:sld>
 </file>
 
